--- a/说明材料/从TSDF中计算法向量.pptx
+++ b/说明材料/从TSDF中计算法向量.pptx
@@ -5,7 +5,7 @@
     <p:sldMasterId id="2147483648" r:id="rId1"/>
   </p:sldMasterIdLst>
   <p:sldIdLst>
-    <p:sldId id="256" r:id="rId3"/>
+    <p:sldId id="257" r:id="rId3"/>
   </p:sldIdLst>
   <p:sldSz cx="12192000" cy="6858000"/>
   <p:notesSz cx="6858000" cy="9144000"/>
@@ -2914,16 +2914,277 @@
         <p:nvPr/>
       </p:nvGrpSpPr>
       <p:grpSpPr/>
-      <p:sp>
-        <p:nvSpPr>
-          <p:cNvPr id="4" name="文本框 3"/>
+      <p:cxnSp>
+        <p:nvCxnSpPr>
+          <p:cNvPr id="4" name="直接箭头连接符 3"/>
+          <p:cNvCxnSpPr/>
+          <p:nvPr/>
+        </p:nvCxnSpPr>
+        <p:spPr>
+          <a:xfrm>
+            <a:off x="4145915" y="4050665"/>
+            <a:ext cx="3300730" cy="0"/>
+          </a:xfrm>
+          <a:prstGeom prst="straightConnector1">
+            <a:avLst/>
+          </a:prstGeom>
+          <a:ln>
+            <a:tailEnd type="arrow"/>
+          </a:ln>
+        </p:spPr>
+        <p:style>
+          <a:lnRef idx="1">
+            <a:schemeClr val="accent1"/>
+          </a:lnRef>
+          <a:fillRef idx="0">
+            <a:schemeClr val="accent1"/>
+          </a:fillRef>
+          <a:effectRef idx="0">
+            <a:schemeClr val="accent1"/>
+          </a:effectRef>
+          <a:fontRef idx="minor">
+            <a:schemeClr val="tx1"/>
+          </a:fontRef>
+        </p:style>
+      </p:cxnSp>
+      <p:cxnSp>
+        <p:nvCxnSpPr>
+          <p:cNvPr id="5" name="直接箭头连接符 4"/>
+          <p:cNvCxnSpPr/>
+          <p:nvPr/>
+        </p:nvCxnSpPr>
+        <p:spPr>
+          <a:xfrm flipV="1">
+            <a:off x="4145915" y="1286510"/>
+            <a:ext cx="0" cy="2764155"/>
+          </a:xfrm>
+          <a:prstGeom prst="straightConnector1">
+            <a:avLst/>
+          </a:prstGeom>
+          <a:ln>
+            <a:tailEnd type="arrow"/>
+          </a:ln>
+        </p:spPr>
+        <p:style>
+          <a:lnRef idx="1">
+            <a:schemeClr val="accent1"/>
+          </a:lnRef>
+          <a:fillRef idx="0">
+            <a:schemeClr val="accent1"/>
+          </a:fillRef>
+          <a:effectRef idx="0">
+            <a:schemeClr val="accent1"/>
+          </a:effectRef>
+          <a:fontRef idx="minor">
+            <a:schemeClr val="tx1"/>
+          </a:fontRef>
+        </p:style>
+      </p:cxnSp>
+      <p:sp>
+        <p:nvSpPr>
+          <p:cNvPr id="6" name="椭圆 5"/>
+          <p:cNvSpPr/>
+          <p:nvPr/>
+        </p:nvSpPr>
+        <p:spPr>
+          <a:xfrm>
+            <a:off x="4107815" y="4012565"/>
+            <a:ext cx="75565" cy="75565"/>
+          </a:xfrm>
+          <a:prstGeom prst="ellipse">
+            <a:avLst/>
+          </a:prstGeom>
+        </p:spPr>
+        <p:style>
+          <a:lnRef idx="2">
+            <a:schemeClr val="accent1">
+              <a:shade val="50000"/>
+            </a:schemeClr>
+          </a:lnRef>
+          <a:fillRef idx="1">
+            <a:schemeClr val="accent1"/>
+          </a:fillRef>
+          <a:effectRef idx="0">
+            <a:schemeClr val="accent1"/>
+          </a:effectRef>
+          <a:fontRef idx="minor">
+            <a:schemeClr val="lt1"/>
+          </a:fontRef>
+        </p:style>
+        <p:txBody>
+          <a:bodyPr rtlCol="0" anchor="ctr"/>
+          <a:p>
+            <a:pPr algn="ctr"/>
+            <a:endParaRPr lang="zh-CN" altLang="en-US"/>
+          </a:p>
+        </p:txBody>
+      </p:sp>
+      <p:sp>
+        <p:nvSpPr>
+          <p:cNvPr id="7" name="椭圆 6"/>
+          <p:cNvSpPr/>
+          <p:nvPr/>
+        </p:nvSpPr>
+        <p:spPr>
+          <a:xfrm>
+            <a:off x="5530850" y="4013200"/>
+            <a:ext cx="75565" cy="75565"/>
+          </a:xfrm>
+          <a:prstGeom prst="ellipse">
+            <a:avLst/>
+          </a:prstGeom>
+        </p:spPr>
+        <p:style>
+          <a:lnRef idx="2">
+            <a:schemeClr val="accent1">
+              <a:shade val="50000"/>
+            </a:schemeClr>
+          </a:lnRef>
+          <a:fillRef idx="1">
+            <a:schemeClr val="accent1"/>
+          </a:fillRef>
+          <a:effectRef idx="0">
+            <a:schemeClr val="accent1"/>
+          </a:effectRef>
+          <a:fontRef idx="minor">
+            <a:schemeClr val="lt1"/>
+          </a:fontRef>
+        </p:style>
+        <p:txBody>
+          <a:bodyPr rtlCol="0" anchor="ctr"/>
+          <a:p>
+            <a:pPr algn="ctr"/>
+            <a:endParaRPr lang="zh-CN" altLang="en-US"/>
+          </a:p>
+        </p:txBody>
+      </p:sp>
+      <p:sp>
+        <p:nvSpPr>
+          <p:cNvPr id="10" name="椭圆 9"/>
+          <p:cNvSpPr/>
+          <p:nvPr/>
+        </p:nvSpPr>
+        <p:spPr>
+          <a:xfrm>
+            <a:off x="5530850" y="2599690"/>
+            <a:ext cx="75565" cy="75565"/>
+          </a:xfrm>
+          <a:prstGeom prst="ellipse">
+            <a:avLst/>
+          </a:prstGeom>
+        </p:spPr>
+        <p:style>
+          <a:lnRef idx="2">
+            <a:schemeClr val="accent1">
+              <a:shade val="50000"/>
+            </a:schemeClr>
+          </a:lnRef>
+          <a:fillRef idx="1">
+            <a:schemeClr val="accent1"/>
+          </a:fillRef>
+          <a:effectRef idx="0">
+            <a:schemeClr val="accent1"/>
+          </a:effectRef>
+          <a:fontRef idx="minor">
+            <a:schemeClr val="lt1"/>
+          </a:fontRef>
+        </p:style>
+        <p:txBody>
+          <a:bodyPr rtlCol="0" anchor="ctr"/>
+          <a:p>
+            <a:pPr algn="ctr"/>
+            <a:endParaRPr lang="zh-CN" altLang="en-US"/>
+          </a:p>
+        </p:txBody>
+      </p:sp>
+      <p:sp>
+        <p:nvSpPr>
+          <p:cNvPr id="11" name="椭圆 10"/>
+          <p:cNvSpPr/>
+          <p:nvPr/>
+        </p:nvSpPr>
+        <p:spPr>
+          <a:xfrm>
+            <a:off x="4107815" y="2599690"/>
+            <a:ext cx="75565" cy="75565"/>
+          </a:xfrm>
+          <a:prstGeom prst="ellipse">
+            <a:avLst/>
+          </a:prstGeom>
+        </p:spPr>
+        <p:style>
+          <a:lnRef idx="2">
+            <a:schemeClr val="accent1">
+              <a:shade val="50000"/>
+            </a:schemeClr>
+          </a:lnRef>
+          <a:fillRef idx="1">
+            <a:schemeClr val="accent1"/>
+          </a:fillRef>
+          <a:effectRef idx="0">
+            <a:schemeClr val="accent1"/>
+          </a:effectRef>
+          <a:fontRef idx="minor">
+            <a:schemeClr val="lt1"/>
+          </a:fontRef>
+        </p:style>
+        <p:txBody>
+          <a:bodyPr rtlCol="0" anchor="ctr"/>
+          <a:p>
+            <a:pPr algn="ctr"/>
+            <a:endParaRPr lang="zh-CN" altLang="en-US"/>
+          </a:p>
+        </p:txBody>
+      </p:sp>
+      <p:sp>
+        <p:nvSpPr>
+          <p:cNvPr id="12" name="椭圆 11"/>
+          <p:cNvSpPr/>
+          <p:nvPr/>
+        </p:nvSpPr>
+        <p:spPr>
+          <a:xfrm>
+            <a:off x="4472305" y="3459480"/>
+            <a:ext cx="75565" cy="75565"/>
+          </a:xfrm>
+          <a:prstGeom prst="ellipse">
+            <a:avLst/>
+          </a:prstGeom>
+        </p:spPr>
+        <p:style>
+          <a:lnRef idx="2">
+            <a:schemeClr val="accent1">
+              <a:shade val="50000"/>
+            </a:schemeClr>
+          </a:lnRef>
+          <a:fillRef idx="1">
+            <a:schemeClr val="accent1"/>
+          </a:fillRef>
+          <a:effectRef idx="0">
+            <a:schemeClr val="accent1"/>
+          </a:effectRef>
+          <a:fontRef idx="minor">
+            <a:schemeClr val="lt1"/>
+          </a:fontRef>
+        </p:style>
+        <p:txBody>
+          <a:bodyPr rtlCol="0" anchor="ctr"/>
+          <a:p>
+            <a:pPr algn="ctr"/>
+            <a:endParaRPr lang="zh-CN" altLang="en-US"/>
+          </a:p>
+        </p:txBody>
+      </p:sp>
+      <p:sp>
+        <p:nvSpPr>
+          <p:cNvPr id="14" name="文本框 13"/>
           <p:cNvSpPr txBox="1"/>
           <p:nvPr/>
         </p:nvSpPr>
         <p:spPr>
           <a:xfrm>
-            <a:off x="0" y="4112260"/>
-            <a:ext cx="2540000" cy="2584450"/>
+            <a:off x="4503420" y="3382010"/>
+            <a:ext cx="427990" cy="229870"/>
           </a:xfrm>
           <a:prstGeom prst="rect">
             <a:avLst/>
@@ -2931,75 +3192,28 @@
           <a:noFill/>
         </p:spPr>
         <p:txBody>
-          <a:bodyPr wrap="square" rtlCol="0" anchor="t">
+          <a:bodyPr wrap="none" rtlCol="0">
             <a:spAutoFit/>
           </a:bodyPr>
           <a:p>
             <a:r>
-              <a:rPr lang="zh-CN"/>
-              <a:t>领域的</a:t>
-            </a:r>
-            <a:r>
-              <a:rPr lang="en-US" altLang="zh-CN"/>
-              <a:t>8</a:t>
-            </a:r>
-            <a:r>
-              <a:rPr lang="zh-CN" altLang="en-US"/>
-              <a:t>个点</a:t>
-            </a:r>
-          </a:p>
-          <a:p>
-            <a:r>
-              <a:t>(0,0,0)</a:t>
-            </a:r>
-          </a:p>
-          <a:p>
-            <a:r>
-              <a:t>(1,0,0)</a:t>
-            </a:r>
-          </a:p>
-          <a:p>
-            <a:r>
-              <a:t>(0,1,0)</a:t>
-            </a:r>
-          </a:p>
-          <a:p>
-            <a:r>
-              <a:t>(1,1,0)</a:t>
-            </a:r>
-          </a:p>
-          <a:p>
-            <a:r>
-              <a:t>(0,0,1)</a:t>
-            </a:r>
-          </a:p>
-          <a:p>
-            <a:r>
-              <a:t>(1,0,1)</a:t>
-            </a:r>
-          </a:p>
-          <a:p>
-            <a:r>
-              <a:t>(0,1,1)</a:t>
-            </a:r>
-          </a:p>
-          <a:p>
-            <a:r>
-              <a:t>(1,1,1)</a:t>
-            </a:r>
-          </a:p>
-        </p:txBody>
-      </p:sp>
-      <p:sp>
-        <p:nvSpPr>
-          <p:cNvPr id="5" name="文本框 4"/>
+              <a:rPr lang="x-none" altLang="zh-CN" sz="900"/>
+              <a:t>point</a:t>
+            </a:r>
+            <a:endParaRPr lang="x-none" altLang="zh-CN" sz="900"/>
+          </a:p>
+        </p:txBody>
+      </p:sp>
+      <p:sp>
+        <p:nvSpPr>
+          <p:cNvPr id="15" name="文本框 14"/>
           <p:cNvSpPr txBox="1"/>
           <p:nvPr/>
         </p:nvSpPr>
         <p:spPr>
           <a:xfrm>
-            <a:off x="2371090" y="3835400"/>
-            <a:ext cx="2540000" cy="3138170"/>
+            <a:off x="3679825" y="4138295"/>
+            <a:ext cx="267335" cy="229870"/>
           </a:xfrm>
           <a:prstGeom prst="rect">
             <a:avLst/>
@@ -3007,118 +3221,28 @@
           <a:noFill/>
         </p:spPr>
         <p:txBody>
-          <a:bodyPr wrap="square" rtlCol="0" anchor="t">
+          <a:bodyPr wrap="none" rtlCol="0">
             <a:spAutoFit/>
           </a:bodyPr>
           <a:p>
             <a:r>
-              <a:rPr>
-                <a:sym typeface="+mn-ea"/>
-              </a:rPr>
-              <a:t>平行yOz面的两个平面上的4个点 沿x轴正负方向 平移1</a:t>
-            </a:r>
-            <a:endParaRPr>
-              <a:sym typeface="+mn-ea"/>
-            </a:endParaRPr>
-          </a:p>
-          <a:p>
-            <a:r>
-              <a:rPr>
-                <a:sym typeface="+mn-ea"/>
-              </a:rPr>
-              <a:t>(-1,0,0)</a:t>
-            </a:r>
-            <a:endParaRPr>
-              <a:sym typeface="+mn-ea"/>
-            </a:endParaRPr>
-          </a:p>
-          <a:p>
-            <a:r>
-              <a:rPr>
-                <a:sym typeface="+mn-ea"/>
-              </a:rPr>
-              <a:t>(-1,1,0)</a:t>
-            </a:r>
-            <a:endParaRPr>
-              <a:sym typeface="+mn-ea"/>
-            </a:endParaRPr>
-          </a:p>
-          <a:p>
-            <a:r>
-              <a:rPr>
-                <a:sym typeface="+mn-ea"/>
-              </a:rPr>
-              <a:t>(-1,0,1)</a:t>
-            </a:r>
-            <a:endParaRPr>
-              <a:sym typeface="+mn-ea"/>
-            </a:endParaRPr>
-          </a:p>
-          <a:p>
-            <a:r>
-              <a:rPr>
-                <a:sym typeface="+mn-ea"/>
-              </a:rPr>
-              <a:t>(-1,1,1)</a:t>
-            </a:r>
-            <a:endParaRPr>
-              <a:sym typeface="+mn-ea"/>
-            </a:endParaRPr>
-          </a:p>
-          <a:p>
-            <a:r>
-              <a:rPr>
-                <a:sym typeface="+mn-ea"/>
-              </a:rPr>
-              <a:t>(2,0,0)</a:t>
-            </a:r>
-            <a:endParaRPr>
-              <a:sym typeface="+mn-ea"/>
-            </a:endParaRPr>
-          </a:p>
-          <a:p>
-            <a:r>
-              <a:rPr>
-                <a:sym typeface="+mn-ea"/>
-              </a:rPr>
-              <a:t>(2,1,0)</a:t>
-            </a:r>
-            <a:endParaRPr>
-              <a:sym typeface="+mn-ea"/>
-            </a:endParaRPr>
-          </a:p>
-          <a:p>
-            <a:r>
-              <a:rPr>
-                <a:sym typeface="+mn-ea"/>
-              </a:rPr>
-              <a:t>(2,0,1)</a:t>
-            </a:r>
-            <a:endParaRPr>
-              <a:sym typeface="+mn-ea"/>
-            </a:endParaRPr>
-          </a:p>
-          <a:p>
-            <a:r>
-              <a:rPr>
-                <a:sym typeface="+mn-ea"/>
-              </a:rPr>
-              <a:t>(2,1,1)</a:t>
-            </a:r>
-            <a:endParaRPr lang="zh-CN" altLang="en-US"/>
-          </a:p>
-        </p:txBody>
-      </p:sp>
-      <p:sp>
-        <p:nvSpPr>
-          <p:cNvPr id="6" name="文本框 5"/>
+              <a:rPr lang="x-none" altLang="zh-CN" sz="900"/>
+              <a:t>fx</a:t>
+            </a:r>
+            <a:endParaRPr lang="x-none" altLang="zh-CN" sz="900"/>
+          </a:p>
+        </p:txBody>
+      </p:sp>
+      <p:sp>
+        <p:nvSpPr>
+          <p:cNvPr id="16" name="文本框 15"/>
           <p:cNvSpPr txBox="1"/>
           <p:nvPr/>
         </p:nvSpPr>
         <p:spPr>
           <a:xfrm>
-            <a:off x="6111875" y="3623310"/>
-            <a:ext cx="2540000" cy="3138170"/>
+            <a:off x="3568700" y="2522855"/>
+            <a:ext cx="292735" cy="229870"/>
           </a:xfrm>
           <a:prstGeom prst="rect">
             <a:avLst/>
@@ -3126,118 +3250,28 @@
           <a:noFill/>
         </p:spPr>
         <p:txBody>
-          <a:bodyPr wrap="square" rtlCol="0" anchor="t">
+          <a:bodyPr wrap="none" rtlCol="0">
             <a:spAutoFit/>
           </a:bodyPr>
           <a:p>
             <a:r>
-              <a:rPr>
-                <a:sym typeface="+mn-ea"/>
-              </a:rPr>
-              <a:t>平行xOz面的两个平面上的4个点 沿y轴正负方向 平移1</a:t>
-            </a:r>
-            <a:endParaRPr>
-              <a:sym typeface="+mn-ea"/>
-            </a:endParaRPr>
-          </a:p>
-          <a:p>
-            <a:r>
-              <a:rPr>
-                <a:sym typeface="+mn-ea"/>
-              </a:rPr>
-              <a:t>(0,-1,0)</a:t>
-            </a:r>
-            <a:endParaRPr>
-              <a:sym typeface="+mn-ea"/>
-            </a:endParaRPr>
-          </a:p>
-          <a:p>
-            <a:r>
-              <a:rPr>
-                <a:sym typeface="+mn-ea"/>
-              </a:rPr>
-              <a:t>(1,-1,0)</a:t>
-            </a:r>
-            <a:endParaRPr>
-              <a:sym typeface="+mn-ea"/>
-            </a:endParaRPr>
-          </a:p>
-          <a:p>
-            <a:r>
-              <a:rPr>
-                <a:sym typeface="+mn-ea"/>
-              </a:rPr>
-              <a:t>(0,-1,1)</a:t>
-            </a:r>
-            <a:endParaRPr>
-              <a:sym typeface="+mn-ea"/>
-            </a:endParaRPr>
-          </a:p>
-          <a:p>
-            <a:r>
-              <a:rPr>
-                <a:sym typeface="+mn-ea"/>
-              </a:rPr>
-              <a:t>(1,-1,1)</a:t>
-            </a:r>
-            <a:endParaRPr>
-              <a:sym typeface="+mn-ea"/>
-            </a:endParaRPr>
-          </a:p>
-          <a:p>
-            <a:r>
-              <a:rPr>
-                <a:sym typeface="+mn-ea"/>
-              </a:rPr>
-              <a:t>(0,2,0)</a:t>
-            </a:r>
-            <a:endParaRPr>
-              <a:sym typeface="+mn-ea"/>
-            </a:endParaRPr>
-          </a:p>
-          <a:p>
-            <a:r>
-              <a:rPr>
-                <a:sym typeface="+mn-ea"/>
-              </a:rPr>
-              <a:t>(1,2,0)</a:t>
-            </a:r>
-            <a:endParaRPr>
-              <a:sym typeface="+mn-ea"/>
-            </a:endParaRPr>
-          </a:p>
-          <a:p>
-            <a:r>
-              <a:rPr>
-                <a:sym typeface="+mn-ea"/>
-              </a:rPr>
-              <a:t>(0,2,1)</a:t>
-            </a:r>
-            <a:endParaRPr>
-              <a:sym typeface="+mn-ea"/>
-            </a:endParaRPr>
-          </a:p>
-          <a:p>
-            <a:r>
-              <a:rPr>
-                <a:sym typeface="+mn-ea"/>
-              </a:rPr>
-              <a:t>(1,2,1)</a:t>
-            </a:r>
-            <a:endParaRPr lang="zh-CN" altLang="en-US"/>
-          </a:p>
-        </p:txBody>
-      </p:sp>
-      <p:sp>
-        <p:nvSpPr>
-          <p:cNvPr id="7" name="文本框 6"/>
+              <a:rPr lang="x-none" altLang="zh-CN" sz="900"/>
+              <a:t>bx</a:t>
+            </a:r>
+            <a:endParaRPr lang="x-none" altLang="zh-CN" sz="900"/>
+          </a:p>
+        </p:txBody>
+      </p:sp>
+      <p:sp>
+        <p:nvSpPr>
+          <p:cNvPr id="17" name="文本框 16"/>
           <p:cNvSpPr txBox="1"/>
           <p:nvPr/>
         </p:nvSpPr>
         <p:spPr>
           <a:xfrm>
-            <a:off x="9309100" y="3829685"/>
-            <a:ext cx="2540000" cy="2306955"/>
+            <a:off x="5727700" y="2522220"/>
+            <a:ext cx="288290" cy="229870"/>
           </a:xfrm>
           <a:prstGeom prst="rect">
             <a:avLst/>
@@ -3245,107 +3279,28 @@
           <a:noFill/>
         </p:spPr>
         <p:txBody>
-          <a:bodyPr wrap="square" rtlCol="0" anchor="t">
+          <a:bodyPr wrap="none" rtlCol="0">
             <a:spAutoFit/>
           </a:bodyPr>
           <a:p>
             <a:r>
-              <a:rPr>
-                <a:sym typeface="+mn-ea"/>
-              </a:rPr>
-              <a:t>(0,0,-1)</a:t>
-            </a:r>
-            <a:endParaRPr>
-              <a:sym typeface="+mn-ea"/>
-            </a:endParaRPr>
-          </a:p>
-          <a:p>
-            <a:r>
-              <a:rPr>
-                <a:sym typeface="+mn-ea"/>
-              </a:rPr>
-              <a:t>(1,0,-1)</a:t>
-            </a:r>
-            <a:endParaRPr>
-              <a:sym typeface="+mn-ea"/>
-            </a:endParaRPr>
-          </a:p>
-          <a:p>
-            <a:r>
-              <a:rPr>
-                <a:sym typeface="+mn-ea"/>
-              </a:rPr>
-              <a:t>(0,1,-1)</a:t>
-            </a:r>
-            <a:endParaRPr>
-              <a:sym typeface="+mn-ea"/>
-            </a:endParaRPr>
-          </a:p>
-          <a:p>
-            <a:r>
-              <a:rPr>
-                <a:sym typeface="+mn-ea"/>
-              </a:rPr>
-              <a:t>(1,1,-1)</a:t>
-            </a:r>
-            <a:endParaRPr>
-              <a:sym typeface="+mn-ea"/>
-            </a:endParaRPr>
-          </a:p>
-          <a:p>
-            <a:r>
-              <a:rPr>
-                <a:sym typeface="+mn-ea"/>
-              </a:rPr>
-              <a:t>(0,0,2)</a:t>
-            </a:r>
-            <a:endParaRPr>
-              <a:sym typeface="+mn-ea"/>
-            </a:endParaRPr>
-          </a:p>
-          <a:p>
-            <a:r>
-              <a:rPr>
-                <a:sym typeface="+mn-ea"/>
-              </a:rPr>
-              <a:t>(1,0,2)</a:t>
-            </a:r>
-            <a:endParaRPr>
-              <a:sym typeface="+mn-ea"/>
-            </a:endParaRPr>
-          </a:p>
-          <a:p>
-            <a:r>
-              <a:rPr>
-                <a:sym typeface="+mn-ea"/>
-              </a:rPr>
-              <a:t>(0,1,2)</a:t>
-            </a:r>
-            <a:endParaRPr>
-              <a:sym typeface="+mn-ea"/>
-            </a:endParaRPr>
-          </a:p>
-          <a:p>
-            <a:r>
-              <a:rPr>
-                <a:sym typeface="+mn-ea"/>
-              </a:rPr>
-              <a:t>(1,1,2)</a:t>
-            </a:r>
-            <a:endParaRPr lang="zh-CN" altLang="en-US"/>
-          </a:p>
-        </p:txBody>
-      </p:sp>
-      <p:sp>
-        <p:nvSpPr>
-          <p:cNvPr id="9" name="文本框 8"/>
+              <a:rPr lang="x-none" altLang="zh-CN" sz="900"/>
+              <a:t>bz</a:t>
+            </a:r>
+            <a:endParaRPr lang="x-none" altLang="zh-CN" sz="900"/>
+          </a:p>
+        </p:txBody>
+      </p:sp>
+      <p:sp>
+        <p:nvSpPr>
+          <p:cNvPr id="18" name="文本框 17"/>
           <p:cNvSpPr txBox="1"/>
           <p:nvPr/>
         </p:nvSpPr>
         <p:spPr>
           <a:xfrm>
-            <a:off x="1718310" y="356235"/>
-            <a:ext cx="7346950" cy="645160"/>
+            <a:off x="5727700" y="4138295"/>
+            <a:ext cx="262890" cy="229870"/>
           </a:xfrm>
           <a:prstGeom prst="rect">
             <a:avLst/>
@@ -3353,35 +3308,258 @@
           <a:noFill/>
         </p:spPr>
         <p:txBody>
-          <a:bodyPr wrap="square" rtlCol="0" anchor="t">
+          <a:bodyPr wrap="none" rtlCol="0">
             <a:spAutoFit/>
           </a:bodyPr>
           <a:p>
             <a:r>
-              <a:rPr lang="zh-CN" altLang="en-US"/>
-              <a:t>https://zhuanlan.zhihu.com/p/357490146</a:t>
-            </a:r>
-            <a:endParaRPr lang="zh-CN" altLang="en-US"/>
-          </a:p>
-          <a:p>
-            <a:r>
-              <a:rPr lang="zh-CN" altLang="en-US"/>
-              <a:t>https://iquilezles.org/articles/normalsSDF/</a:t>
-            </a:r>
-            <a:endParaRPr lang="zh-CN" altLang="en-US"/>
-          </a:p>
-        </p:txBody>
-      </p:sp>
-      <p:sp>
-        <p:nvSpPr>
-          <p:cNvPr id="10" name="文本框 9"/>
+              <a:rPr lang="x-none" altLang="zh-CN" sz="900"/>
+              <a:t>fz</a:t>
+            </a:r>
+            <a:endParaRPr lang="x-none" altLang="zh-CN" sz="900"/>
+          </a:p>
+        </p:txBody>
+      </p:sp>
+      <p:cxnSp>
+        <p:nvCxnSpPr>
+          <p:cNvPr id="19" name="直接连接符 18"/>
+          <p:cNvCxnSpPr>
+            <a:stCxn id="14" idx="1"/>
+          </p:cNvCxnSpPr>
+          <p:nvPr/>
+        </p:nvCxnSpPr>
+        <p:spPr>
+          <a:xfrm>
+            <a:off x="4503420" y="3496945"/>
+            <a:ext cx="0" cy="546735"/>
+          </a:xfrm>
+          <a:prstGeom prst="line">
+            <a:avLst/>
+          </a:prstGeom>
+          <a:ln>
+            <a:prstDash val="dash"/>
+          </a:ln>
+        </p:spPr>
+        <p:style>
+          <a:lnRef idx="1">
+            <a:schemeClr val="accent1"/>
+          </a:lnRef>
+          <a:fillRef idx="0">
+            <a:schemeClr val="accent1"/>
+          </a:fillRef>
+          <a:effectRef idx="0">
+            <a:schemeClr val="accent1"/>
+          </a:effectRef>
+          <a:fontRef idx="minor">
+            <a:schemeClr val="tx1"/>
+          </a:fontRef>
+        </p:style>
+      </p:cxnSp>
+      <p:cxnSp>
+        <p:nvCxnSpPr>
+          <p:cNvPr id="20" name="直接连接符 19"/>
+          <p:cNvCxnSpPr>
+            <a:stCxn id="14" idx="1"/>
+          </p:cNvCxnSpPr>
+          <p:nvPr/>
+        </p:nvCxnSpPr>
+        <p:spPr>
+          <a:xfrm flipH="1">
+            <a:off x="4145915" y="3496945"/>
+            <a:ext cx="357505" cy="0"/>
+          </a:xfrm>
+          <a:prstGeom prst="line">
+            <a:avLst/>
+          </a:prstGeom>
+          <a:ln>
+            <a:prstDash val="dash"/>
+          </a:ln>
+        </p:spPr>
+        <p:style>
+          <a:lnRef idx="1">
+            <a:schemeClr val="accent1"/>
+          </a:lnRef>
+          <a:fillRef idx="0">
+            <a:schemeClr val="accent1"/>
+          </a:fillRef>
+          <a:effectRef idx="0">
+            <a:schemeClr val="accent1"/>
+          </a:effectRef>
+          <a:fontRef idx="minor">
+            <a:schemeClr val="tx1"/>
+          </a:fontRef>
+        </p:style>
+      </p:cxnSp>
+      <p:sp>
+        <p:nvSpPr>
+          <p:cNvPr id="21" name="左大括号 20"/>
+          <p:cNvSpPr/>
+          <p:nvPr/>
+        </p:nvSpPr>
+        <p:spPr>
+          <a:xfrm rot="16200000">
+            <a:off x="4255770" y="3979545"/>
+            <a:ext cx="137795" cy="356870"/>
+          </a:xfrm>
+          <a:prstGeom prst="leftBrace">
+            <a:avLst>
+              <a:gd name="adj1" fmla="val 27880"/>
+              <a:gd name="adj2" fmla="val 50000"/>
+            </a:avLst>
+          </a:prstGeom>
+        </p:spPr>
+        <p:style>
+          <a:lnRef idx="1">
+            <a:schemeClr val="accent1"/>
+          </a:lnRef>
+          <a:fillRef idx="0">
+            <a:schemeClr val="accent1"/>
+          </a:fillRef>
+          <a:effectRef idx="0">
+            <a:schemeClr val="accent1"/>
+          </a:effectRef>
+          <a:fontRef idx="minor">
+            <a:schemeClr val="tx1"/>
+          </a:fontRef>
+        </p:style>
+        <p:txBody>
+          <a:bodyPr rtlCol="0" anchor="ctr"/>
+          <a:p>
+            <a:pPr algn="ctr"/>
+            <a:endParaRPr lang="zh-CN" altLang="en-US"/>
+          </a:p>
+        </p:txBody>
+      </p:sp>
+      <p:sp>
+        <p:nvSpPr>
+          <p:cNvPr id="23" name="左大括号 22"/>
+          <p:cNvSpPr/>
+          <p:nvPr/>
+        </p:nvSpPr>
+        <p:spPr>
+          <a:xfrm rot="16200000">
+            <a:off x="4968875" y="3623310"/>
+            <a:ext cx="137795" cy="1068705"/>
+          </a:xfrm>
+          <a:prstGeom prst="leftBrace">
+            <a:avLst>
+              <a:gd name="adj1" fmla="val 27880"/>
+              <a:gd name="adj2" fmla="val 50000"/>
+            </a:avLst>
+          </a:prstGeom>
+        </p:spPr>
+        <p:style>
+          <a:lnRef idx="1">
+            <a:schemeClr val="accent1"/>
+          </a:lnRef>
+          <a:fillRef idx="0">
+            <a:schemeClr val="accent1"/>
+          </a:fillRef>
+          <a:effectRef idx="0">
+            <a:schemeClr val="accent1"/>
+          </a:effectRef>
+          <a:fontRef idx="minor">
+            <a:schemeClr val="tx1"/>
+          </a:fontRef>
+        </p:style>
+        <p:txBody>
+          <a:bodyPr rtlCol="0" anchor="ctr"/>
+          <a:p>
+            <a:pPr algn="ctr"/>
+            <a:endParaRPr lang="zh-CN" altLang="en-US"/>
+          </a:p>
+        </p:txBody>
+      </p:sp>
+      <p:sp>
+        <p:nvSpPr>
+          <p:cNvPr id="24" name="左大括号 23"/>
+          <p:cNvSpPr/>
+          <p:nvPr/>
+        </p:nvSpPr>
+        <p:spPr>
+          <a:xfrm>
+            <a:off x="3989705" y="3496945"/>
+            <a:ext cx="137795" cy="546735"/>
+          </a:xfrm>
+          <a:prstGeom prst="leftBrace">
+            <a:avLst>
+              <a:gd name="adj1" fmla="val 27880"/>
+              <a:gd name="adj2" fmla="val 50000"/>
+            </a:avLst>
+          </a:prstGeom>
+        </p:spPr>
+        <p:style>
+          <a:lnRef idx="1">
+            <a:schemeClr val="accent1"/>
+          </a:lnRef>
+          <a:fillRef idx="0">
+            <a:schemeClr val="accent1"/>
+          </a:fillRef>
+          <a:effectRef idx="0">
+            <a:schemeClr val="accent1"/>
+          </a:effectRef>
+          <a:fontRef idx="minor">
+            <a:schemeClr val="tx1"/>
+          </a:fontRef>
+        </p:style>
+        <p:txBody>
+          <a:bodyPr rtlCol="0" anchor="ctr"/>
+          <a:p>
+            <a:pPr algn="ctr"/>
+            <a:endParaRPr lang="zh-CN" altLang="en-US"/>
+          </a:p>
+        </p:txBody>
+      </p:sp>
+      <p:sp>
+        <p:nvSpPr>
+          <p:cNvPr id="25" name="左大括号 24"/>
+          <p:cNvSpPr/>
+          <p:nvPr/>
+        </p:nvSpPr>
+        <p:spPr>
+          <a:xfrm>
+            <a:off x="3970020" y="2635250"/>
+            <a:ext cx="137795" cy="861695"/>
+          </a:xfrm>
+          <a:prstGeom prst="leftBrace">
+            <a:avLst>
+              <a:gd name="adj1" fmla="val 27880"/>
+              <a:gd name="adj2" fmla="val 50000"/>
+            </a:avLst>
+          </a:prstGeom>
+        </p:spPr>
+        <p:style>
+          <a:lnRef idx="1">
+            <a:schemeClr val="accent1"/>
+          </a:lnRef>
+          <a:fillRef idx="0">
+            <a:schemeClr val="accent1"/>
+          </a:fillRef>
+          <a:effectRef idx="0">
+            <a:schemeClr val="accent1"/>
+          </a:effectRef>
+          <a:fontRef idx="minor">
+            <a:schemeClr val="tx1"/>
+          </a:fontRef>
+        </p:style>
+        <p:txBody>
+          <a:bodyPr rtlCol="0" anchor="ctr"/>
+          <a:p>
+            <a:pPr algn="ctr"/>
+            <a:endParaRPr lang="zh-CN" altLang="en-US"/>
+          </a:p>
+        </p:txBody>
+      </p:sp>
+      <p:sp>
+        <p:nvSpPr>
+          <p:cNvPr id="26" name="文本框 25"/>
           <p:cNvSpPr txBox="1"/>
           <p:nvPr/>
         </p:nvSpPr>
         <p:spPr>
           <a:xfrm>
-            <a:off x="2604770" y="1290955"/>
-            <a:ext cx="6219190" cy="368300"/>
+            <a:off x="4110990" y="4172585"/>
+            <a:ext cx="282575" cy="229870"/>
           </a:xfrm>
           <a:prstGeom prst="rect">
             <a:avLst/>
@@ -3389,19 +3567,187 @@
           <a:noFill/>
         </p:spPr>
         <p:txBody>
-          <a:bodyPr wrap="square" rtlCol="0" anchor="t">
+          <a:bodyPr wrap="none" rtlCol="0">
             <a:spAutoFit/>
           </a:bodyPr>
           <a:p>
             <a:r>
-              <a:rPr lang="en-US" altLang="zh-CN"/>
-              <a:t>.ggb</a:t>
-            </a:r>
-            <a:r>
-              <a:rPr lang="zh-CN" altLang="en-US"/>
-              <a:t>文件用于：https://www.geogebra.org/3d?lang=zh_CN</a:t>
-            </a:r>
-            <a:endParaRPr lang="zh-CN" altLang="en-US"/>
+              <a:rPr lang="x-none" altLang="zh-CN" sz="900"/>
+              <a:t>c</a:t>
+            </a:r>
+            <a:r>
+              <a:rPr lang="en-US" altLang="x-none" sz="900"/>
+              <a:t>y</a:t>
+            </a:r>
+            <a:endParaRPr lang="en-US" altLang="x-none" sz="900"/>
+          </a:p>
+        </p:txBody>
+      </p:sp>
+      <p:sp>
+        <p:nvSpPr>
+          <p:cNvPr id="27" name="文本框 26"/>
+          <p:cNvSpPr txBox="1"/>
+          <p:nvPr/>
+        </p:nvSpPr>
+        <p:spPr>
+          <a:xfrm>
+            <a:off x="4897755" y="4204335"/>
+            <a:ext cx="342900" cy="229870"/>
+          </a:xfrm>
+          <a:prstGeom prst="rect">
+            <a:avLst/>
+          </a:prstGeom>
+          <a:noFill/>
+        </p:spPr>
+        <p:txBody>
+          <a:bodyPr wrap="none" rtlCol="0">
+            <a:spAutoFit/>
+          </a:bodyPr>
+          <a:p>
+            <a:r>
+              <a:rPr lang="x-none" altLang="zh-CN" sz="900"/>
+              <a:t>nc</a:t>
+            </a:r>
+            <a:r>
+              <a:rPr lang="en-US" altLang="x-none" sz="900"/>
+              <a:t>y</a:t>
+            </a:r>
+            <a:endParaRPr lang="en-US" altLang="x-none" sz="900"/>
+          </a:p>
+        </p:txBody>
+      </p:sp>
+      <p:sp>
+        <p:nvSpPr>
+          <p:cNvPr id="28" name="文本框 27"/>
+          <p:cNvSpPr txBox="1"/>
+          <p:nvPr/>
+        </p:nvSpPr>
+        <p:spPr>
+          <a:xfrm>
+            <a:off x="3690620" y="3655060"/>
+            <a:ext cx="276225" cy="229870"/>
+          </a:xfrm>
+          <a:prstGeom prst="rect">
+            <a:avLst/>
+          </a:prstGeom>
+          <a:noFill/>
+        </p:spPr>
+        <p:txBody>
+          <a:bodyPr wrap="none" rtlCol="0">
+            <a:spAutoFit/>
+          </a:bodyPr>
+          <a:p>
+            <a:r>
+              <a:rPr lang="x-none" altLang="zh-CN" sz="900"/>
+              <a:t>c</a:t>
+            </a:r>
+            <a:r>
+              <a:rPr lang="en-US" altLang="x-none" sz="900"/>
+              <a:t>z</a:t>
+            </a:r>
+            <a:endParaRPr lang="en-US" altLang="x-none" sz="900"/>
+          </a:p>
+        </p:txBody>
+      </p:sp>
+      <p:sp>
+        <p:nvSpPr>
+          <p:cNvPr id="29" name="文本框 28"/>
+          <p:cNvSpPr txBox="1"/>
+          <p:nvPr/>
+        </p:nvSpPr>
+        <p:spPr>
+          <a:xfrm>
+            <a:off x="3690620" y="2950845"/>
+            <a:ext cx="336550" cy="229870"/>
+          </a:xfrm>
+          <a:prstGeom prst="rect">
+            <a:avLst/>
+          </a:prstGeom>
+          <a:noFill/>
+        </p:spPr>
+        <p:txBody>
+          <a:bodyPr wrap="none" rtlCol="0">
+            <a:spAutoFit/>
+          </a:bodyPr>
+          <a:p>
+            <a:r>
+              <a:rPr lang="x-none" altLang="zh-CN" sz="900"/>
+              <a:t>nc</a:t>
+            </a:r>
+            <a:r>
+              <a:rPr lang="en-US" altLang="x-none" sz="900"/>
+              <a:t>z</a:t>
+            </a:r>
+            <a:endParaRPr lang="en-US" altLang="x-none" sz="900"/>
+          </a:p>
+        </p:txBody>
+      </p:sp>
+      <p:sp>
+        <p:nvSpPr>
+          <p:cNvPr id="30" name="文本框 29"/>
+          <p:cNvSpPr txBox="1"/>
+          <p:nvPr/>
+        </p:nvSpPr>
+        <p:spPr>
+          <a:xfrm>
+            <a:off x="7530465" y="3936365"/>
+            <a:ext cx="348615" cy="229870"/>
+          </a:xfrm>
+          <a:prstGeom prst="rect">
+            <a:avLst/>
+          </a:prstGeom>
+          <a:noFill/>
+        </p:spPr>
+        <p:txBody>
+          <a:bodyPr wrap="none" rtlCol="0">
+            <a:spAutoFit/>
+          </a:bodyPr>
+          <a:p>
+            <a:pPr algn="l"/>
+            <a:r>
+              <a:rPr lang="en-US" altLang="x-none" sz="900"/>
+              <a:t>y</a:t>
+            </a:r>
+            <a:r>
+              <a:rPr lang="zh-CN" altLang="x-none" sz="900">
+                <a:sym typeface="+mn-ea"/>
+              </a:rPr>
+              <a:t>轴</a:t>
+            </a:r>
+            <a:endParaRPr lang="en-US" altLang="x-none" sz="900"/>
+          </a:p>
+        </p:txBody>
+      </p:sp>
+      <p:sp>
+        <p:nvSpPr>
+          <p:cNvPr id="31" name="文本框 30"/>
+          <p:cNvSpPr txBox="1"/>
+          <p:nvPr/>
+        </p:nvSpPr>
+        <p:spPr>
+          <a:xfrm>
+            <a:off x="3827145" y="1056640"/>
+            <a:ext cx="342265" cy="229870"/>
+          </a:xfrm>
+          <a:prstGeom prst="rect">
+            <a:avLst/>
+          </a:prstGeom>
+          <a:noFill/>
+        </p:spPr>
+        <p:txBody>
+          <a:bodyPr wrap="none" rtlCol="0">
+            <a:spAutoFit/>
+          </a:bodyPr>
+          <a:p>
+            <a:r>
+              <a:rPr lang="x-none" altLang="zh-CN" sz="900"/>
+              <a:t>z</a:t>
+            </a:r>
+            <a:r>
+              <a:rPr lang="zh-CN" altLang="x-none" sz="900"/>
+              <a:t>轴</a:t>
+            </a:r>
+            <a:endParaRPr lang="zh-CN" altLang="x-none" sz="900"/>
           </a:p>
         </p:txBody>
       </p:sp>
